--- a/DocumentacaoProjeto/Projeto Recicla!.pptx
+++ b/DocumentacaoProjeto/Projeto Recicla!.pptx
@@ -22,15 +22,15 @@
       <p:regular r:id="rId10"/>
     </p:embeddedFont>
     <p:embeddedFont>
-      <p:font typeface="Aileron Regular Italics" panose="020B0604020202020204" charset="0"/>
+      <p:font typeface="Calibri" panose="020F0502020204030204" pitchFamily="34" charset="0"/>
       <p:regular r:id="rId11"/>
+      <p:bold r:id="rId12"/>
+      <p:italic r:id="rId13"/>
+      <p:boldItalic r:id="rId14"/>
     </p:embeddedFont>
     <p:embeddedFont>
-      <p:font typeface="Calibri" panose="020F0502020204030204" pitchFamily="34" charset="0"/>
-      <p:regular r:id="rId12"/>
-      <p:bold r:id="rId13"/>
-      <p:italic r:id="rId14"/>
-      <p:boldItalic r:id="rId15"/>
+      <p:font typeface="Aileron Regular Italics" panose="020B0604020202020204" charset="0"/>
+      <p:regular r:id="rId15"/>
     </p:embeddedFont>
   </p:embeddedFontLst>
   <p:defaultTextStyle>
@@ -4462,15 +4462,15 @@
         </p:nvSpPr>
         <p:spPr>
           <a:xfrm>
-            <a:off x="11627797" y="2444790"/>
-            <a:ext cx="4308198" cy="5273596"/>
+            <a:off x="11811000" y="2180072"/>
+            <a:ext cx="4831404" cy="7232749"/>
           </a:xfrm>
           <a:prstGeom prst="rect">
             <a:avLst/>
           </a:prstGeom>
         </p:spPr>
         <p:txBody>
-          <a:bodyPr lIns="0" tIns="0" rIns="0" bIns="0" rtlCol="0" anchor="t">
+          <a:bodyPr wrap="square" lIns="0" tIns="0" rIns="0" bIns="0" rtlCol="0" anchor="t">
             <a:spAutoFit/>
           </a:bodyPr>
           <a:lstStyle/>
@@ -4481,14 +4481,22 @@
               </a:lnSpc>
             </a:pPr>
             <a:r>
-              <a:rPr lang="en-US" sz="2900" spc="261">
-                <a:solidFill>
-                  <a:srgbClr val="4D4A46"/>
-                </a:solidFill>
-                <a:latin typeface="Bebas Neue Cyrillic Italics"/>
-              </a:rPr>
-              <a:t>A idéia irá trazer um retorno para aqueles que contribuírem com a reciclagem. Além disso, irá direcionar e facilitar a coleta seletiva dentro da cidade, através da utilização das informações do sistema.</a:t>
-            </a:r>
+              <a:rPr lang="pt-BR" sz="3200" dirty="0"/>
+              <a:t>A ideia é trazer um sistema de gamificação que visa facilitar o processo de aprendizado dos alunos á respeito do assunto. A abordagem será realizada por meio de jogos que tratarão os temas de forma didática para gerar reflexões e incentivar a colaboração dos alunos.</a:t>
+            </a:r>
+          </a:p>
+          <a:p>
+            <a:pPr algn="just">
+              <a:lnSpc>
+                <a:spcPts val="4698"/>
+              </a:lnSpc>
+            </a:pPr>
+            <a:endParaRPr lang="en-US" sz="2900" spc="261" dirty="0">
+              <a:solidFill>
+                <a:srgbClr val="4D4A46"/>
+              </a:solidFill>
+              <a:latin typeface="Bebas Neue Cyrillic Italics"/>
+            </a:endParaRPr>
           </a:p>
         </p:txBody>
       </p:sp>
@@ -4590,8 +4598,8 @@
         </p:nvSpPr>
         <p:spPr>
           <a:xfrm>
-            <a:off x="11065471" y="3224750"/>
-            <a:ext cx="5194023" cy="3505434"/>
+            <a:off x="11065470" y="2933700"/>
+            <a:ext cx="5194023" cy="5358518"/>
           </a:xfrm>
           <a:prstGeom prst="rect">
             <a:avLst/>
@@ -4609,14 +4617,22 @@
               </a:lnSpc>
             </a:pPr>
             <a:r>
-              <a:rPr lang="en-US" sz="2900" spc="261">
-                <a:solidFill>
-                  <a:srgbClr val="4D4A46"/>
-                </a:solidFill>
-                <a:latin typeface="Bebas Neue Cyrillic Italics"/>
-              </a:rPr>
-              <a:t>Ele deve trabalhar pois além de estar aplicando os conhecimentos em BI, o mesmo estará participando de uma solução rentável que poderá ser replicada para o resto do mundo.</a:t>
-            </a:r>
+              <a:rPr lang="pt-BR" sz="3200" dirty="0"/>
+              <a:t>Ele deve trabalhar pois além de poder aplicar o seu conhecimento em diferentes áreas ,  o mesmo estará participando de uma solução rentável que poderá ser replicada para o resto do mundo. </a:t>
+            </a:r>
+          </a:p>
+          <a:p>
+            <a:pPr algn="just">
+              <a:lnSpc>
+                <a:spcPts val="4698"/>
+              </a:lnSpc>
+            </a:pPr>
+            <a:endParaRPr lang="en-US" sz="2900" spc="261" dirty="0">
+              <a:solidFill>
+                <a:srgbClr val="4D4A46"/>
+              </a:solidFill>
+              <a:latin typeface="Bebas Neue Cyrillic Italics"/>
+            </a:endParaRPr>
           </a:p>
         </p:txBody>
       </p:sp>
